--- a/Housing Prices-Final Project.pptx
+++ b/Housing Prices-Final Project.pptx
@@ -5,7 +5,7 @@
     <p:sldMasterId id="2147483659" r:id="rId1"/>
   </p:sldMasterIdLst>
   <p:notesMasterIdLst>
-    <p:notesMasterId r:id="rId21"/>
+    <p:notesMasterId r:id="rId22"/>
   </p:notesMasterIdLst>
   <p:sldIdLst>
     <p:sldId id="256" r:id="rId2"/>
@@ -27,21 +27,22 @@
     <p:sldId id="270" r:id="rId18"/>
     <p:sldId id="271" r:id="rId19"/>
     <p:sldId id="272" r:id="rId20"/>
+    <p:sldId id="276" r:id="rId21"/>
   </p:sldIdLst>
   <p:sldSz cx="9144000" cy="5143500" type="screen16x9"/>
   <p:notesSz cx="6858000" cy="9144000"/>
   <p:embeddedFontLst>
     <p:embeddedFont>
       <p:font typeface="Maven Pro" panose="020B0604020202020204" charset="0"/>
-      <p:regular r:id="rId22"/>
-      <p:bold r:id="rId23"/>
+      <p:regular r:id="rId23"/>
+      <p:bold r:id="rId24"/>
     </p:embeddedFont>
     <p:embeddedFont>
       <p:font typeface="Nunito" pitchFamily="2" charset="0"/>
-      <p:regular r:id="rId24"/>
-      <p:bold r:id="rId25"/>
-      <p:italic r:id="rId26"/>
-      <p:boldItalic r:id="rId27"/>
+      <p:regular r:id="rId25"/>
+      <p:bold r:id="rId26"/>
+      <p:italic r:id="rId27"/>
+      <p:boldItalic r:id="rId28"/>
     </p:embeddedFont>
   </p:embeddedFontLst>
   <p:defaultTextStyle>
@@ -17910,10 +17911,10 @@
               <a:buNone/>
             </a:pPr>
             <a:r>
-              <a:rPr lang="en" sz="1400"/>
+              <a:rPr lang="en" sz="1400" dirty="0"/>
               <a:t>Our next steps would be to answer some other pressing questions. </a:t>
             </a:r>
-            <a:endParaRPr sz="1400"/>
+            <a:endParaRPr sz="1400" dirty="0"/>
           </a:p>
           <a:p>
             <a:pPr marL="0" lvl="0" indent="0" algn="l" rtl="0">
@@ -17926,10 +17927,10 @@
               <a:buNone/>
             </a:pPr>
             <a:r>
-              <a:rPr lang="en" sz="1400"/>
+              <a:rPr lang="en" sz="1400" dirty="0"/>
               <a:t>Such as,</a:t>
             </a:r>
-            <a:endParaRPr sz="1400"/>
+            <a:endParaRPr sz="1400" dirty="0"/>
           </a:p>
           <a:p>
             <a:pPr marL="457200" lvl="0" indent="-317500" algn="l" rtl="0">
@@ -17943,14 +17944,14 @@
               <a:buChar char="●"/>
             </a:pPr>
             <a:r>
-              <a:rPr lang="en" sz="1400">
+              <a:rPr lang="en" sz="1400" dirty="0">
                 <a:solidFill>
                   <a:srgbClr val="000000"/>
                 </a:solidFill>
               </a:rPr>
               <a:t>What are the top 5 most expensive neighborhoods?</a:t>
             </a:r>
-            <a:endParaRPr sz="1400">
+            <a:endParaRPr sz="1400" dirty="0">
               <a:solidFill>
                 <a:srgbClr val="000000"/>
               </a:solidFill>
@@ -17971,14 +17972,14 @@
               <a:buChar char="●"/>
             </a:pPr>
             <a:r>
-              <a:rPr lang="en" sz="1400">
+              <a:rPr lang="en" sz="1400" dirty="0">
                 <a:solidFill>
                   <a:srgbClr val="000000"/>
                 </a:solidFill>
               </a:rPr>
               <a:t>What is the average selling price of different building types?</a:t>
             </a:r>
-            <a:endParaRPr sz="1400">
+            <a:endParaRPr sz="1400" dirty="0">
               <a:solidFill>
                 <a:srgbClr val="000000"/>
               </a:solidFill>
@@ -18181,6 +18182,110 @@
         </p:spPr>
       </p:pic>
     </p:spTree>
+  </p:cSld>
+  <p:clrMapOvr>
+    <a:masterClrMapping/>
+  </p:clrMapOvr>
+</p:sld>
+</file>
+
+<file path=ppt/slides/slide20.xml><?xml version="1.0" encoding="utf-8"?>
+<p:sld xmlns:a="http://schemas.openxmlformats.org/drawingml/2006/main" xmlns:r="http://schemas.openxmlformats.org/officeDocument/2006/relationships" xmlns:p="http://schemas.openxmlformats.org/presentationml/2006/main">
+  <p:cSld>
+    <p:spTree>
+      <p:nvGrpSpPr>
+        <p:cNvPr id="1" name=""/>
+        <p:cNvGrpSpPr/>
+        <p:nvPr/>
+      </p:nvGrpSpPr>
+      <p:grpSpPr>
+        <a:xfrm>
+          <a:off x="0" y="0"/>
+          <a:ext cx="0" cy="0"/>
+          <a:chOff x="0" y="0"/>
+          <a:chExt cx="0" cy="0"/>
+        </a:xfrm>
+      </p:grpSpPr>
+      <p:sp>
+        <p:nvSpPr>
+          <p:cNvPr id="2" name="Title 1">
+            <a:extLst>
+              <a:ext uri="{FF2B5EF4-FFF2-40B4-BE49-F238E27FC236}">
+                <a16:creationId xmlns:a16="http://schemas.microsoft.com/office/drawing/2014/main" id="{B9EC8C60-BDD9-1111-E9D6-1AD501C5ABAA}"/>
+              </a:ext>
+            </a:extLst>
+          </p:cNvPr>
+          <p:cNvSpPr>
+            <a:spLocks noGrp="1"/>
+          </p:cNvSpPr>
+          <p:nvPr>
+            <p:ph type="title"/>
+          </p:nvPr>
+        </p:nvSpPr>
+        <p:spPr/>
+        <p:txBody>
+          <a:bodyPr/>
+          <a:lstStyle/>
+          <a:p>
+            <a:r>
+              <a:rPr lang="en-US" dirty="0"/>
+              <a:t>Conclusion</a:t>
+            </a:r>
+          </a:p>
+        </p:txBody>
+      </p:sp>
+      <p:sp>
+        <p:nvSpPr>
+          <p:cNvPr id="3" name="Text Placeholder 2">
+            <a:extLst>
+              <a:ext uri="{FF2B5EF4-FFF2-40B4-BE49-F238E27FC236}">
+                <a16:creationId xmlns:a16="http://schemas.microsoft.com/office/drawing/2014/main" id="{C4F70AB5-89CC-842E-FE58-0657C7846526}"/>
+              </a:ext>
+            </a:extLst>
+          </p:cNvPr>
+          <p:cNvSpPr>
+            <a:spLocks noGrp="1"/>
+          </p:cNvSpPr>
+          <p:nvPr>
+            <p:ph type="body" idx="1"/>
+          </p:nvPr>
+        </p:nvSpPr>
+        <p:spPr/>
+        <p:txBody>
+          <a:bodyPr/>
+          <a:lstStyle/>
+          <a:p>
+            <a:pPr marL="146050" indent="0" algn="ctr">
+              <a:buNone/>
+            </a:pPr>
+            <a:r>
+              <a:rPr lang="en-US" dirty="0"/>
+              <a:t>Thank you all for your time tonight.</a:t>
+            </a:r>
+          </a:p>
+          <a:p>
+            <a:pPr marL="146050" indent="0" algn="ctr">
+              <a:buNone/>
+            </a:pPr>
+            <a:endParaRPr lang="en-US" dirty="0"/>
+          </a:p>
+          <a:p>
+            <a:pPr marL="146050" indent="0" algn="ctr">
+              <a:buNone/>
+            </a:pPr>
+            <a:r>
+              <a:rPr lang="en-US" dirty="0"/>
+              <a:t>Any Questions?</a:t>
+            </a:r>
+          </a:p>
+        </p:txBody>
+      </p:sp>
+    </p:spTree>
+    <p:extLst>
+      <p:ext uri="{BB962C8B-B14F-4D97-AF65-F5344CB8AC3E}">
+        <p14:creationId xmlns:p14="http://schemas.microsoft.com/office/powerpoint/2010/main" val="3319064095"/>
+      </p:ext>
+    </p:extLst>
   </p:cSld>
   <p:clrMapOvr>
     <a:masterClrMapping/>

--- a/Housing Prices-Final Project.pptx
+++ b/Housing Prices-Final Project.pptx
@@ -18075,7 +18075,7 @@
         <p:spPr>
           <a:xfrm>
             <a:off x="1303800" y="2022025"/>
-            <a:ext cx="7030500" cy="1590063"/>
+            <a:ext cx="7030500" cy="1523601"/>
           </a:xfrm>
           <a:prstGeom prst="rect">
             <a:avLst/>
@@ -18083,7 +18083,7 @@
         </p:spPr>
         <p:txBody>
           <a:bodyPr spcFirstLastPara="1" wrap="square" lIns="91425" tIns="91425" rIns="91425" bIns="91425" anchor="t" anchorCtr="0">
-            <a:normAutofit/>
+            <a:normAutofit fontScale="92500" lnSpcReduction="10000"/>
           </a:bodyPr>
           <a:lstStyle/>
           <a:p>
@@ -18098,13 +18098,39 @@
               <a:buChar char="●"/>
             </a:pPr>
             <a:r>
-              <a:rPr lang="en" sz="1400" dirty="0"/>
-              <a:t>The purpose of our presentation was to predict housing prices for a Ames, Iowa. </a:t>
+              <a:rPr lang="en-US" sz="1400" b="0" i="0" dirty="0">
+                <a:solidFill>
+                  <a:srgbClr val="24292F"/>
+                </a:solidFill>
+                <a:effectLst/>
+                <a:latin typeface="-apple-system"/>
+              </a:rPr>
+              <a:t>The purpose of this analysis is to predict the potential sale price, in US Dollars, of 1,459 homes located in Ames, Iowa based on 79 categorical and numerical variables that describe different aspects of each house. The dataset, along with the approach for this analysis, derive from a Kaggle competition titled "</a:t>
             </a:r>
-            <a:endParaRPr sz="1400" dirty="0"/>
+            <a:r>
+              <a:rPr lang="en-US" sz="1400" b="0" i="0" u="none" strike="noStrike" dirty="0">
+                <a:solidFill>
+                  <a:srgbClr val="24292F"/>
+                </a:solidFill>
+                <a:effectLst/>
+                <a:latin typeface="-apple-system"/>
+                <a:hlinkClick r:id="rId3"/>
+              </a:rPr>
+              <a:t>House Prices - Advanced Regression Techniques</a:t>
+            </a:r>
+            <a:r>
+              <a:rPr lang="en-US" sz="1400" b="0" i="0" dirty="0">
+                <a:solidFill>
+                  <a:srgbClr val="24292F"/>
+                </a:solidFill>
+                <a:effectLst/>
+                <a:latin typeface="-apple-system"/>
+              </a:rPr>
+              <a:t>". </a:t>
+            </a:r>
           </a:p>
           <a:p>
-            <a:pPr marL="457200" lvl="0" indent="-317500" algn="l" rtl="0">
+            <a:pPr marL="139700" lvl="0" indent="0" algn="l" rtl="0">
               <a:spcBef>
                 <a:spcPts val="0"/>
               </a:spcBef>
@@ -18112,13 +18138,15 @@
                 <a:spcPts val="0"/>
               </a:spcAft>
               <a:buSzPts val="1400"/>
-              <a:buChar char="●"/>
+              <a:buNone/>
             </a:pPr>
-            <a:r>
-              <a:rPr lang="en" sz="1400" dirty="0"/>
-              <a:t>Our team joined a Kaggle competition which gave us the dataset. </a:t>
-            </a:r>
-            <a:endParaRPr sz="1400" dirty="0"/>
+            <a:endParaRPr lang="en-US" sz="1400" b="0" i="0" dirty="0">
+              <a:solidFill>
+                <a:srgbClr val="24292F"/>
+              </a:solidFill>
+              <a:effectLst/>
+              <a:latin typeface="-apple-system"/>
+            </a:endParaRPr>
           </a:p>
           <a:p>
             <a:pPr marL="457200" lvl="0" indent="-317500" algn="l" rtl="0">
@@ -18166,7 +18194,7 @@
           <p:nvPr/>
         </p:nvPicPr>
         <p:blipFill>
-          <a:blip r:embed="rId3"/>
+          <a:blip r:embed="rId4"/>
           <a:stretch>
             <a:fillRect/>
           </a:stretch>
@@ -18510,8 +18538,8 @@
         </p:nvSpPr>
         <p:spPr>
           <a:xfrm>
-            <a:off x="1303800" y="1990050"/>
-            <a:ext cx="7030500" cy="1134150"/>
+            <a:off x="1213746" y="1597875"/>
+            <a:ext cx="7030500" cy="2759379"/>
           </a:xfrm>
           <a:prstGeom prst="rect">
             <a:avLst/>
@@ -18519,23 +18547,57 @@
         </p:spPr>
         <p:txBody>
           <a:bodyPr spcFirstLastPara="1" wrap="square" lIns="91425" tIns="91425" rIns="91425" bIns="91425" anchor="t" anchorCtr="0">
-            <a:normAutofit/>
+            <a:normAutofit fontScale="25000" lnSpcReduction="20000"/>
           </a:bodyPr>
           <a:lstStyle/>
           <a:p>
-            <a:pPr marL="457200" lvl="0" indent="-317500" algn="l" rtl="0">
-              <a:spcBef>
-                <a:spcPts val="0"/>
-              </a:spcBef>
-              <a:spcAft>
-                <a:spcPts val="0"/>
-              </a:spcAft>
-              <a:buSzPts val="1400"/>
-              <a:buChar char="●"/>
+            <a:pPr marL="146050" indent="0" algn="l">
+              <a:buNone/>
             </a:pPr>
+            <a:endParaRPr lang="en-US" sz="5600" b="0" i="0" dirty="0">
+              <a:solidFill>
+                <a:srgbClr val="24292F"/>
+              </a:solidFill>
+              <a:effectLst/>
+              <a:latin typeface="-apple-system"/>
+            </a:endParaRPr>
+          </a:p>
+          <a:p>
+            <a:pPr algn="l"/>
             <a:r>
-              <a:rPr lang="en-US" sz="1400" dirty="0"/>
-              <a:t>With 79 explanatory variables describing (almost) every aspect of residential homes in Ames, Iowa, this dataset challenges you to predict the final price of each home. </a:t>
+              <a:rPr lang="en-US" sz="5600" b="0" i="0" dirty="0">
+                <a:solidFill>
+                  <a:srgbClr val="24292F"/>
+                </a:solidFill>
+                <a:effectLst/>
+                <a:latin typeface="-apple-system"/>
+              </a:rPr>
+              <a:t>The Kaggle competition provided a "training dataset" that already includes a Sale Price for each home that will be used to train the machine learning model; said model will be used to make predictions on the observations contained in the "test dataset".</a:t>
+            </a:r>
+          </a:p>
+          <a:p>
+            <a:pPr marL="146050" indent="0" algn="l">
+              <a:buNone/>
+            </a:pPr>
+            <a:endParaRPr lang="en-US" sz="5600" b="0" i="0" dirty="0">
+              <a:solidFill>
+                <a:srgbClr val="24292F"/>
+              </a:solidFill>
+              <a:effectLst/>
+              <a:latin typeface="-apple-system"/>
+            </a:endParaRPr>
+          </a:p>
+          <a:p>
+            <a:pPr algn="l"/>
+            <a:r>
+              <a:rPr lang="en-US" sz="5600" b="0" i="0" dirty="0">
+                <a:solidFill>
+                  <a:srgbClr val="24292F"/>
+                </a:solidFill>
+                <a:effectLst/>
+                <a:latin typeface="-apple-system"/>
+              </a:rPr>
+              <a:t>Based on the provided data, the team will perform an Exploratory Data Analysis and select the relevant variables in order to determine which machine learning model would result more accurate to predict the potential sale price of each home.</a:t>
             </a:r>
           </a:p>
           <a:p>
@@ -18805,7 +18867,7 @@
         <p:spPr>
           <a:xfrm>
             <a:off x="2272144" y="1648691"/>
-            <a:ext cx="4745183" cy="2920184"/>
+            <a:ext cx="4745183" cy="2064327"/>
           </a:xfrm>
         </p:spPr>
         <p:txBody>
@@ -18860,12 +18922,8 @@
               <a:buChar char="○"/>
             </a:pPr>
             <a:r>
-              <a:rPr lang="en-US" sz="1400" dirty="0" err="1"/>
-              <a:t>Jupyter</a:t>
-            </a:r>
-            <a:r>
               <a:rPr lang="en-US" sz="1400" dirty="0"/>
-              <a:t> Notebook</a:t>
+              <a:t>Jupyter Notebook</a:t>
             </a:r>
           </a:p>
           <a:p>

--- a/Housing Prices-Final Project.pptx
+++ b/Housing Prices-Final Project.pptx
@@ -5,7 +5,7 @@
     <p:sldMasterId id="2147483659" r:id="rId1"/>
   </p:sldMasterIdLst>
   <p:notesMasterIdLst>
-    <p:notesMasterId r:id="rId22"/>
+    <p:notesMasterId r:id="rId21"/>
   </p:notesMasterIdLst>
   <p:sldIdLst>
     <p:sldId id="256" r:id="rId2"/>
@@ -14,8 +14,8 @@
     <p:sldId id="259" r:id="rId5"/>
     <p:sldId id="260" r:id="rId6"/>
     <p:sldId id="273" r:id="rId7"/>
-    <p:sldId id="274" r:id="rId8"/>
-    <p:sldId id="266" r:id="rId9"/>
+    <p:sldId id="266" r:id="rId8"/>
+    <p:sldId id="274" r:id="rId9"/>
     <p:sldId id="275" r:id="rId10"/>
     <p:sldId id="262" r:id="rId11"/>
     <p:sldId id="263" r:id="rId12"/>
@@ -24,25 +24,24 @@
     <p:sldId id="267" r:id="rId15"/>
     <p:sldId id="268" r:id="rId16"/>
     <p:sldId id="269" r:id="rId17"/>
-    <p:sldId id="270" r:id="rId18"/>
-    <p:sldId id="271" r:id="rId19"/>
-    <p:sldId id="272" r:id="rId20"/>
-    <p:sldId id="276" r:id="rId21"/>
+    <p:sldId id="271" r:id="rId18"/>
+    <p:sldId id="272" r:id="rId19"/>
+    <p:sldId id="276" r:id="rId20"/>
   </p:sldIdLst>
   <p:sldSz cx="9144000" cy="5143500" type="screen16x9"/>
   <p:notesSz cx="6858000" cy="9144000"/>
   <p:embeddedFontLst>
     <p:embeddedFont>
       <p:font typeface="Maven Pro" panose="020B0604020202020204" charset="0"/>
-      <p:regular r:id="rId23"/>
-      <p:bold r:id="rId24"/>
+      <p:regular r:id="rId22"/>
+      <p:bold r:id="rId23"/>
     </p:embeddedFont>
     <p:embeddedFont>
       <p:font typeface="Nunito" pitchFamily="2" charset="0"/>
-      <p:regular r:id="rId25"/>
-      <p:bold r:id="rId26"/>
-      <p:italic r:id="rId27"/>
-      <p:boldItalic r:id="rId28"/>
+      <p:regular r:id="rId24"/>
+      <p:bold r:id="rId25"/>
+      <p:italic r:id="rId26"/>
+      <p:boldItalic r:id="rId27"/>
     </p:embeddedFont>
   </p:embeddedFontLst>
   <p:defaultTextStyle>
@@ -1179,7 +1178,7 @@
         </p:nvSpPr>
         <p:spPr>
           <a:xfrm>
-            <a:off x="381300" y="685800"/>
+            <a:off x="381000" y="685800"/>
             <a:ext cx="6096000" cy="3429000"/>
           </a:xfrm>
           <a:custGeom>
@@ -1255,110 +1254,6 @@
 </file>
 
 <file path=ppt/notesSlides/notesSlide14.xml><?xml version="1.0" encoding="utf-8"?>
-<p:notes xmlns:a="http://schemas.openxmlformats.org/drawingml/2006/main" xmlns:r="http://schemas.openxmlformats.org/officeDocument/2006/relationships" xmlns:p="http://schemas.openxmlformats.org/presentationml/2006/main" showMasterSp="0" showMasterPhAnim="0">
-  <p:cSld>
-    <p:spTree>
-      <p:nvGrpSpPr>
-        <p:cNvPr id="1" name="Shape 356"/>
-        <p:cNvGrpSpPr/>
-        <p:nvPr/>
-      </p:nvGrpSpPr>
-      <p:grpSpPr>
-        <a:xfrm>
-          <a:off x="0" y="0"/>
-          <a:ext cx="0" cy="0"/>
-          <a:chOff x="0" y="0"/>
-          <a:chExt cx="0" cy="0"/>
-        </a:xfrm>
-      </p:grpSpPr>
-      <p:sp>
-        <p:nvSpPr>
-          <p:cNvPr id="357" name="Google Shape;357;g1f2781b19fb_0_15:notes"/>
-          <p:cNvSpPr>
-            <a:spLocks noGrp="1" noRot="1" noChangeAspect="1"/>
-          </p:cNvSpPr>
-          <p:nvPr>
-            <p:ph type="sldImg" idx="2"/>
-          </p:nvPr>
-        </p:nvSpPr>
-        <p:spPr>
-          <a:xfrm>
-            <a:off x="381300" y="685800"/>
-            <a:ext cx="6096000" cy="3429000"/>
-          </a:xfrm>
-          <a:custGeom>
-            <a:avLst/>
-            <a:gdLst/>
-            <a:ahLst/>
-            <a:cxnLst/>
-            <a:rect l="l" t="t" r="r" b="b"/>
-            <a:pathLst>
-              <a:path w="120000" h="120000" extrusionOk="0">
-                <a:moveTo>
-                  <a:pt x="0" y="0"/>
-                </a:moveTo>
-                <a:lnTo>
-                  <a:pt x="120000" y="0"/>
-                </a:lnTo>
-                <a:lnTo>
-                  <a:pt x="120000" y="120000"/>
-                </a:lnTo>
-                <a:lnTo>
-                  <a:pt x="0" y="120000"/>
-                </a:lnTo>
-                <a:close/>
-              </a:path>
-            </a:pathLst>
-          </a:custGeom>
-        </p:spPr>
-      </p:sp>
-      <p:sp>
-        <p:nvSpPr>
-          <p:cNvPr id="358" name="Google Shape;358;g1f2781b19fb_0_15:notes"/>
-          <p:cNvSpPr txBox="1">
-            <a:spLocks noGrp="1"/>
-          </p:cNvSpPr>
-          <p:nvPr>
-            <p:ph type="body" idx="1"/>
-          </p:nvPr>
-        </p:nvSpPr>
-        <p:spPr>
-          <a:xfrm>
-            <a:off x="685800" y="4343400"/>
-            <a:ext cx="5486400" cy="4114800"/>
-          </a:xfrm>
-          <a:prstGeom prst="rect">
-            <a:avLst/>
-          </a:prstGeom>
-        </p:spPr>
-        <p:txBody>
-          <a:bodyPr spcFirstLastPara="1" wrap="square" lIns="91425" tIns="91425" rIns="91425" bIns="91425" anchor="t" anchorCtr="0">
-            <a:noAutofit/>
-          </a:bodyPr>
-          <a:lstStyle/>
-          <a:p>
-            <a:pPr marL="0" lvl="0" indent="0" algn="l" rtl="0">
-              <a:spcBef>
-                <a:spcPts val="0"/>
-              </a:spcBef>
-              <a:spcAft>
-                <a:spcPts val="0"/>
-              </a:spcAft>
-              <a:buNone/>
-            </a:pPr>
-            <a:endParaRPr/>
-          </a:p>
-        </p:txBody>
-      </p:sp>
-    </p:spTree>
-  </p:cSld>
-  <p:clrMapOvr>
-    <a:masterClrMapping/>
-  </p:clrMapOvr>
-</p:notes>
-</file>
-
-<file path=ppt/notesSlides/notesSlide15.xml><?xml version="1.0" encoding="utf-8"?>
 <p:notes xmlns:a="http://schemas.openxmlformats.org/drawingml/2006/main" xmlns:r="http://schemas.openxmlformats.org/officeDocument/2006/relationships" xmlns:p="http://schemas.openxmlformats.org/presentationml/2006/main" showMasterSp="0" showMasterPhAnim="0">
   <p:cSld>
     <p:spTree>
@@ -1462,7 +1357,7 @@
 </p:notes>
 </file>
 
-<file path=ppt/notesSlides/notesSlide16.xml><?xml version="1.0" encoding="utf-8"?>
+<file path=ppt/notesSlides/notesSlide15.xml><?xml version="1.0" encoding="utf-8"?>
 <p:notes xmlns:a="http://schemas.openxmlformats.org/drawingml/2006/main" xmlns:r="http://schemas.openxmlformats.org/officeDocument/2006/relationships" xmlns:p="http://schemas.openxmlformats.org/presentationml/2006/main" showMasterSp="0" showMasterPhAnim="0">
   <p:cSld>
     <p:spTree>
@@ -1491,7 +1386,7 @@
         </p:nvSpPr>
         <p:spPr>
           <a:xfrm>
-            <a:off x="381300" y="685800"/>
+            <a:off x="381000" y="685800"/>
             <a:ext cx="6096000" cy="3429000"/>
           </a:xfrm>
           <a:custGeom>
@@ -16632,8 +16527,8 @@
         </p:blipFill>
         <p:spPr>
           <a:xfrm>
-            <a:off x="1252384" y="1530926"/>
-            <a:ext cx="3257271" cy="3454053"/>
+            <a:off x="2776384" y="1482435"/>
+            <a:ext cx="3762961" cy="3454053"/>
           </a:xfrm>
           <a:prstGeom prst="rect">
             <a:avLst/>
@@ -16680,40 +16575,6 @@
           </a:p>
         </p:txBody>
       </p:sp>
-      <p:pic>
-        <p:nvPicPr>
-          <p:cNvPr id="7" name="Google Shape;319;p20">
-            <a:extLst>
-              <a:ext uri="{FF2B5EF4-FFF2-40B4-BE49-F238E27FC236}">
-                <a16:creationId xmlns:a16="http://schemas.microsoft.com/office/drawing/2014/main" id="{0A048B65-91BE-0F91-A10A-637F4527DD62}"/>
-              </a:ext>
-            </a:extLst>
-          </p:cNvPr>
-          <p:cNvPicPr preferRelativeResize="0"/>
-          <p:nvPr/>
-        </p:nvPicPr>
-        <p:blipFill>
-          <a:blip r:embed="rId4">
-            <a:alphaModFix/>
-          </a:blip>
-          <a:stretch>
-            <a:fillRect/>
-          </a:stretch>
-        </p:blipFill>
-        <p:spPr>
-          <a:xfrm>
-            <a:off x="4099795" y="1530926"/>
-            <a:ext cx="4857200" cy="3205901"/>
-          </a:xfrm>
-          <a:prstGeom prst="rect">
-            <a:avLst/>
-          </a:prstGeom>
-          <a:noFill/>
-          <a:ln>
-            <a:noFill/>
-          </a:ln>
-        </p:spPr>
-      </p:pic>
     </p:spTree>
   </p:cSld>
   <p:clrMapOvr>
@@ -17425,8 +17286,8 @@
         </p:nvSpPr>
         <p:spPr>
           <a:xfrm>
-            <a:off x="1303800" y="1990050"/>
-            <a:ext cx="7030500" cy="2541600"/>
+            <a:off x="1179743" y="1251319"/>
+            <a:ext cx="7030500" cy="1789754"/>
           </a:xfrm>
           <a:prstGeom prst="rect">
             <a:avLst/>
@@ -17434,7 +17295,7 @@
         </p:spPr>
         <p:txBody>
           <a:bodyPr spcFirstLastPara="1" wrap="square" lIns="91425" tIns="91425" rIns="91425" bIns="91425" anchor="t" anchorCtr="0">
-            <a:normAutofit/>
+            <a:normAutofit lnSpcReduction="10000"/>
           </a:bodyPr>
           <a:lstStyle/>
           <a:p>
@@ -17449,13 +17310,13 @@
               <a:buChar char="●"/>
             </a:pPr>
             <a:r>
-              <a:rPr lang="en"/>
+              <a:rPr lang="en" dirty="0"/>
               <a:t>To fine-tune our model we needed to decide on the best hyperparameter to use. </a:t>
             </a:r>
             <a:br>
-              <a:rPr lang="en"/>
+              <a:rPr lang="en" dirty="0"/>
             </a:br>
-            <a:endParaRPr/>
+            <a:endParaRPr dirty="0"/>
           </a:p>
           <a:p>
             <a:pPr marL="457200" lvl="0" indent="-311150" algn="l" rtl="0">
@@ -17469,10 +17330,10 @@
               <a:buChar char="●"/>
             </a:pPr>
             <a:r>
-              <a:rPr lang="en"/>
+              <a:rPr lang="en" dirty="0"/>
               <a:t>To help with this, we utilized Scikit Learn’s GridSearch function. </a:t>
             </a:r>
-            <a:endParaRPr/>
+            <a:endParaRPr dirty="0"/>
           </a:p>
           <a:p>
             <a:pPr marL="914400" lvl="1" indent="-298450" algn="l" rtl="0">
@@ -17486,13 +17347,13 @@
               <a:buChar char="○"/>
             </a:pPr>
             <a:r>
-              <a:rPr lang="en"/>
+              <a:rPr lang="en" dirty="0"/>
               <a:t>Using GridSearch, we were not only able to determine the best hyperparameter but we were also able to determine the best estimator to pair the  hyperparameter with.</a:t>
             </a:r>
             <a:br>
-              <a:rPr lang="en"/>
+              <a:rPr lang="en" dirty="0"/>
             </a:br>
-            <a:endParaRPr/>
+            <a:endParaRPr dirty="0"/>
           </a:p>
           <a:p>
             <a:pPr marL="457200" lvl="0" indent="-311150" algn="l" rtl="0">
@@ -17506,10 +17367,26 @@
               <a:buChar char="●"/>
             </a:pPr>
             <a:r>
-              <a:rPr lang="en"/>
-              <a:t>With our model decided, we are successfully able to make predictions.  </a:t>
+              <a:rPr lang="en" dirty="0"/>
+              <a:t>With our model decided, we are successfully able to make predictions.</a:t>
             </a:r>
-            <a:endParaRPr/>
+          </a:p>
+          <a:p>
+            <a:pPr marL="457200" lvl="0" indent="-311150" algn="l" rtl="0">
+              <a:spcBef>
+                <a:spcPts val="0"/>
+              </a:spcBef>
+              <a:spcAft>
+                <a:spcPts val="0"/>
+              </a:spcAft>
+              <a:buSzPts val="1300"/>
+              <a:buChar char="●"/>
+            </a:pPr>
+            <a:r>
+              <a:rPr lang="en" dirty="0"/>
+              <a:t>Accuracy:  </a:t>
+            </a:r>
+            <a:endParaRPr dirty="0"/>
           </a:p>
           <a:p>
             <a:pPr marL="0" lvl="0" indent="0" algn="l" rtl="0">
@@ -17521,103 +17398,37 @@
               </a:spcAft>
               <a:buNone/>
             </a:pPr>
-            <a:endParaRPr/>
-          </a:p>
-        </p:txBody>
-      </p:sp>
-    </p:spTree>
-  </p:cSld>
-  <p:clrMapOvr>
-    <a:masterClrMapping/>
-  </p:clrMapOvr>
-</p:sld>
-</file>
-
-<file path=ppt/slides/slide17.xml><?xml version="1.0" encoding="utf-8"?>
-<p:sld xmlns:a="http://schemas.openxmlformats.org/drawingml/2006/main" xmlns:r="http://schemas.openxmlformats.org/officeDocument/2006/relationships" xmlns:p="http://schemas.openxmlformats.org/presentationml/2006/main">
-  <p:cSld>
-    <p:spTree>
-      <p:nvGrpSpPr>
-        <p:cNvPr id="1" name="Shape 359"/>
-        <p:cNvGrpSpPr/>
-        <p:nvPr/>
-      </p:nvGrpSpPr>
-      <p:grpSpPr>
-        <a:xfrm>
-          <a:off x="0" y="0"/>
-          <a:ext cx="0" cy="0"/>
-          <a:chOff x="0" y="0"/>
-          <a:chExt cx="0" cy="0"/>
-        </a:xfrm>
-      </p:grpSpPr>
-      <p:sp>
-        <p:nvSpPr>
-          <p:cNvPr id="360" name="Google Shape;360;p27"/>
-          <p:cNvSpPr txBox="1">
-            <a:spLocks noGrp="1"/>
-          </p:cNvSpPr>
-          <p:nvPr>
-            <p:ph type="title"/>
-          </p:nvPr>
-        </p:nvSpPr>
-        <p:spPr>
-          <a:xfrm>
-            <a:off x="1303800" y="598575"/>
-            <a:ext cx="7030500" cy="999300"/>
-          </a:xfrm>
-          <a:prstGeom prst="rect">
-            <a:avLst/>
-          </a:prstGeom>
-        </p:spPr>
-        <p:txBody>
-          <a:bodyPr spcFirstLastPara="1" wrap="square" lIns="91425" tIns="91425" rIns="91425" bIns="91425" anchor="t" anchorCtr="0">
-            <a:normAutofit/>
-          </a:bodyPr>
-          <a:lstStyle/>
-          <a:p>
-            <a:pPr marL="0" lvl="0" indent="0" algn="l" rtl="0">
-              <a:spcBef>
-                <a:spcPts val="0"/>
-              </a:spcBef>
-              <a:spcAft>
-                <a:spcPts val="0"/>
-              </a:spcAft>
-              <a:buNone/>
-            </a:pPr>
-            <a:r>
-              <a:rPr lang="en"/>
-              <a:t>Results</a:t>
-            </a:r>
-            <a:endParaRPr/>
+            <a:endParaRPr dirty="0"/>
           </a:p>
         </p:txBody>
       </p:sp>
       <p:pic>
         <p:nvPicPr>
-          <p:cNvPr id="361" name="Google Shape;361;p27"/>
-          <p:cNvPicPr preferRelativeResize="0"/>
+          <p:cNvPr id="7" name="Picture 6" descr="Graphical user interface, text, application, email">
+            <a:extLst>
+              <a:ext uri="{FF2B5EF4-FFF2-40B4-BE49-F238E27FC236}">
+                <a16:creationId xmlns:a16="http://schemas.microsoft.com/office/drawing/2014/main" id="{567E4653-91CB-0F5F-3C93-8DBE49507270}"/>
+              </a:ext>
+            </a:extLst>
+          </p:cNvPr>
+          <p:cNvPicPr>
+            <a:picLocks noChangeAspect="1"/>
+          </p:cNvPicPr>
           <p:nvPr/>
         </p:nvPicPr>
-        <p:blipFill>
-          <a:blip r:embed="rId3">
-            <a:alphaModFix/>
-          </a:blip>
-          <a:stretch>
-            <a:fillRect/>
-          </a:stretch>
+        <p:blipFill rotWithShape="1">
+          <a:blip r:embed="rId3"/>
+          <a:srcRect l="6446"/>
+          <a:stretch/>
         </p:blipFill>
         <p:spPr>
           <a:xfrm>
-            <a:off x="1303800" y="1300975"/>
-            <a:ext cx="4623661" cy="3240827"/>
+            <a:off x="878013" y="2957945"/>
+            <a:ext cx="7815713" cy="1377580"/>
           </a:xfrm>
           <a:prstGeom prst="rect">
             <a:avLst/>
           </a:prstGeom>
-          <a:noFill/>
-          <a:ln>
-            <a:noFill/>
-          </a:ln>
         </p:spPr>
       </p:pic>
     </p:spTree>
@@ -17628,7 +17439,7 @@
 </p:sld>
 </file>
 
-<file path=ppt/slides/slide18.xml><?xml version="1.0" encoding="utf-8"?>
+<file path=ppt/slides/slide17.xml><?xml version="1.0" encoding="utf-8"?>
 <p:sld xmlns:a="http://schemas.openxmlformats.org/drawingml/2006/main" xmlns:r="http://schemas.openxmlformats.org/officeDocument/2006/relationships" xmlns:p="http://schemas.openxmlformats.org/presentationml/2006/main">
   <p:cSld>
     <p:spTree>
@@ -17699,7 +17510,7 @@
         </p:nvSpPr>
         <p:spPr>
           <a:xfrm>
-            <a:off x="1303800" y="1990050"/>
+            <a:off x="1289945" y="1428941"/>
             <a:ext cx="7030500" cy="2541600"/>
           </a:xfrm>
           <a:prstGeom prst="rect">
@@ -17708,7 +17519,7 @@
         </p:spPr>
         <p:txBody>
           <a:bodyPr spcFirstLastPara="1" wrap="square" lIns="91425" tIns="91425" rIns="91425" bIns="91425" anchor="t" anchorCtr="0">
-            <a:normAutofit/>
+            <a:normAutofit fontScale="92500" lnSpcReduction="10000"/>
           </a:bodyPr>
           <a:lstStyle/>
           <a:p>
@@ -17792,6 +17603,39 @@
             <a:r>
               <a:rPr lang="en" sz="1400" dirty="0"/>
               <a:t>Alley Feature</a:t>
+            </a:r>
+          </a:p>
+          <a:p>
+            <a:pPr marL="139700" lvl="0" indent="0" algn="l" rtl="0">
+              <a:spcBef>
+                <a:spcPts val="0"/>
+              </a:spcBef>
+              <a:spcAft>
+                <a:spcPts val="0"/>
+              </a:spcAft>
+              <a:buSzPts val="1400"/>
+              <a:buNone/>
+            </a:pPr>
+            <a:endParaRPr lang="en" sz="1400" dirty="0"/>
+          </a:p>
+          <a:p>
+            <a:pPr marL="139700" lvl="0" indent="0" algn="l" rtl="0">
+              <a:spcBef>
+                <a:spcPts val="0"/>
+              </a:spcBef>
+              <a:spcAft>
+                <a:spcPts val="0"/>
+              </a:spcAft>
+              <a:buSzPts val="1400"/>
+              <a:buNone/>
+            </a:pPr>
+            <a:r>
+              <a:rPr lang="en" sz="1400" dirty="0"/>
+              <a:t>We were able to that homes, that were remodeled closer to the sale date increased the sale price, almost reguardless of the age of the home. Newer homes, in newly developed areas received the highest sale price. Older, non-</a:t>
+            </a:r>
+            <a:r>
+              <a:rPr lang="en-US" sz="1400" dirty="0"/>
+              <a:t>renovated homes didn’t receive nearly the same sale price as newer homes.</a:t>
             </a:r>
             <a:endParaRPr sz="1400" dirty="0"/>
           </a:p>
@@ -17817,7 +17661,7 @@
 </p:sld>
 </file>
 
-<file path=ppt/slides/slide19.xml><?xml version="1.0" encoding="utf-8"?>
+<file path=ppt/slides/slide18.xml><?xml version="1.0" encoding="utf-8"?>
 <p:sld xmlns:a="http://schemas.openxmlformats.org/drawingml/2006/main" xmlns:r="http://schemas.openxmlformats.org/officeDocument/2006/relationships" xmlns:p="http://schemas.openxmlformats.org/presentationml/2006/main">
   <p:cSld>
     <p:spTree>
@@ -17869,10 +17713,10 @@
               <a:buNone/>
             </a:pPr>
             <a:r>
-              <a:rPr lang="en"/>
-              <a:t>Next Steps</a:t>
+              <a:rPr lang="en" dirty="0"/>
+              <a:t>Further Analysis</a:t>
             </a:r>
-            <a:endParaRPr/>
+            <a:endParaRPr dirty="0"/>
           </a:p>
         </p:txBody>
       </p:sp>
@@ -17912,23 +17756,7 @@
             </a:pPr>
             <a:r>
               <a:rPr lang="en" sz="1400" dirty="0"/>
-              <a:t>Our next steps would be to answer some other pressing questions. </a:t>
-            </a:r>
-            <a:endParaRPr sz="1400" dirty="0"/>
-          </a:p>
-          <a:p>
-            <a:pPr marL="0" lvl="0" indent="0" algn="l" rtl="0">
-              <a:spcBef>
-                <a:spcPts val="1200"/>
-              </a:spcBef>
-              <a:spcAft>
-                <a:spcPts val="0"/>
-              </a:spcAft>
-              <a:buNone/>
-            </a:pPr>
-            <a:r>
-              <a:rPr lang="en" sz="1400" dirty="0"/>
-              <a:t>Such as,</a:t>
+              <a:t>The next steps we would suggest looking into, to answer other pressing questions would be: </a:t>
             </a:r>
             <a:endParaRPr sz="1400" dirty="0"/>
           </a:p>
@@ -17949,7 +17777,7 @@
                   <a:srgbClr val="000000"/>
                 </a:solidFill>
               </a:rPr>
-              <a:t>What are the top 5 most expensive neighborhoods?</a:t>
+              <a:t>What are the top 5 most expensive neighborhoods? Are these area older, newer, remodeled, or not remodeled? </a:t>
             </a:r>
             <a:endParaRPr sz="1400" dirty="0">
               <a:solidFill>
@@ -17995,229 +17823,7 @@
 </p:sld>
 </file>
 
-<file path=ppt/slides/slide2.xml><?xml version="1.0" encoding="utf-8"?>
-<p:sld xmlns:a="http://schemas.openxmlformats.org/drawingml/2006/main" xmlns:r="http://schemas.openxmlformats.org/officeDocument/2006/relationships" xmlns:p="http://schemas.openxmlformats.org/presentationml/2006/main">
-  <p:cSld>
-    <p:bg>
-      <p:bgPr>
-        <a:solidFill>
-          <a:schemeClr val="lt1"/>
-        </a:solidFill>
-        <a:effectLst/>
-      </p:bgPr>
-    </p:bg>
-    <p:spTree>
-      <p:nvGrpSpPr>
-        <p:cNvPr id="1" name="Shape 282"/>
-        <p:cNvGrpSpPr/>
-        <p:nvPr/>
-      </p:nvGrpSpPr>
-      <p:grpSpPr>
-        <a:xfrm>
-          <a:off x="0" y="0"/>
-          <a:ext cx="0" cy="0"/>
-          <a:chOff x="0" y="0"/>
-          <a:chExt cx="0" cy="0"/>
-        </a:xfrm>
-      </p:grpSpPr>
-      <p:sp>
-        <p:nvSpPr>
-          <p:cNvPr id="283" name="Google Shape;283;p14"/>
-          <p:cNvSpPr txBox="1">
-            <a:spLocks noGrp="1"/>
-          </p:cNvSpPr>
-          <p:nvPr>
-            <p:ph type="title"/>
-          </p:nvPr>
-        </p:nvSpPr>
-        <p:spPr>
-          <a:xfrm>
-            <a:off x="1303800" y="598575"/>
-            <a:ext cx="7030500" cy="999300"/>
-          </a:xfrm>
-          <a:prstGeom prst="rect">
-            <a:avLst/>
-          </a:prstGeom>
-        </p:spPr>
-        <p:txBody>
-          <a:bodyPr spcFirstLastPara="1" wrap="square" lIns="91425" tIns="91425" rIns="91425" bIns="91425" anchor="t" anchorCtr="0">
-            <a:normAutofit/>
-          </a:bodyPr>
-          <a:lstStyle/>
-          <a:p>
-            <a:pPr marL="0" lvl="0" indent="0" algn="l" rtl="0">
-              <a:spcBef>
-                <a:spcPts val="0"/>
-              </a:spcBef>
-              <a:spcAft>
-                <a:spcPts val="0"/>
-              </a:spcAft>
-              <a:buNone/>
-            </a:pPr>
-            <a:r>
-              <a:rPr lang="en" dirty="0"/>
-              <a:t>Introduction</a:t>
-            </a:r>
-            <a:endParaRPr dirty="0"/>
-          </a:p>
-        </p:txBody>
-      </p:sp>
-      <p:sp>
-        <p:nvSpPr>
-          <p:cNvPr id="284" name="Google Shape;284;p14"/>
-          <p:cNvSpPr txBox="1">
-            <a:spLocks noGrp="1"/>
-          </p:cNvSpPr>
-          <p:nvPr>
-            <p:ph type="body" idx="1"/>
-          </p:nvPr>
-        </p:nvSpPr>
-        <p:spPr>
-          <a:xfrm>
-            <a:off x="1303800" y="2022025"/>
-            <a:ext cx="7030500" cy="1523601"/>
-          </a:xfrm>
-          <a:prstGeom prst="rect">
-            <a:avLst/>
-          </a:prstGeom>
-        </p:spPr>
-        <p:txBody>
-          <a:bodyPr spcFirstLastPara="1" wrap="square" lIns="91425" tIns="91425" rIns="91425" bIns="91425" anchor="t" anchorCtr="0">
-            <a:normAutofit fontScale="92500" lnSpcReduction="10000"/>
-          </a:bodyPr>
-          <a:lstStyle/>
-          <a:p>
-            <a:pPr marL="457200" lvl="0" indent="-317500" algn="l" rtl="0">
-              <a:spcBef>
-                <a:spcPts val="0"/>
-              </a:spcBef>
-              <a:spcAft>
-                <a:spcPts val="0"/>
-              </a:spcAft>
-              <a:buSzPts val="1400"/>
-              <a:buChar char="●"/>
-            </a:pPr>
-            <a:r>
-              <a:rPr lang="en-US" sz="1400" b="0" i="0" dirty="0">
-                <a:solidFill>
-                  <a:srgbClr val="24292F"/>
-                </a:solidFill>
-                <a:effectLst/>
-                <a:latin typeface="-apple-system"/>
-              </a:rPr>
-              <a:t>The purpose of this analysis is to predict the potential sale price, in US Dollars, of 1,459 homes located in Ames, Iowa based on 79 categorical and numerical variables that describe different aspects of each house. The dataset, along with the approach for this analysis, derive from a Kaggle competition titled "</a:t>
-            </a:r>
-            <a:r>
-              <a:rPr lang="en-US" sz="1400" b="0" i="0" u="none" strike="noStrike" dirty="0">
-                <a:solidFill>
-                  <a:srgbClr val="24292F"/>
-                </a:solidFill>
-                <a:effectLst/>
-                <a:latin typeface="-apple-system"/>
-                <a:hlinkClick r:id="rId3"/>
-              </a:rPr>
-              <a:t>House Prices - Advanced Regression Techniques</a:t>
-            </a:r>
-            <a:r>
-              <a:rPr lang="en-US" sz="1400" b="0" i="0" dirty="0">
-                <a:solidFill>
-                  <a:srgbClr val="24292F"/>
-                </a:solidFill>
-                <a:effectLst/>
-                <a:latin typeface="-apple-system"/>
-              </a:rPr>
-              <a:t>". </a:t>
-            </a:r>
-          </a:p>
-          <a:p>
-            <a:pPr marL="139700" lvl="0" indent="0" algn="l" rtl="0">
-              <a:spcBef>
-                <a:spcPts val="0"/>
-              </a:spcBef>
-              <a:spcAft>
-                <a:spcPts val="0"/>
-              </a:spcAft>
-              <a:buSzPts val="1400"/>
-              <a:buNone/>
-            </a:pPr>
-            <a:endParaRPr lang="en-US" sz="1400" b="0" i="0" dirty="0">
-              <a:solidFill>
-                <a:srgbClr val="24292F"/>
-              </a:solidFill>
-              <a:effectLst/>
-              <a:latin typeface="-apple-system"/>
-            </a:endParaRPr>
-          </a:p>
-          <a:p>
-            <a:pPr marL="457200" lvl="0" indent="-317500" algn="l" rtl="0">
-              <a:spcBef>
-                <a:spcPts val="0"/>
-              </a:spcBef>
-              <a:spcAft>
-                <a:spcPts val="0"/>
-              </a:spcAft>
-              <a:buSzPts val="1400"/>
-              <a:buChar char="●"/>
-            </a:pPr>
-            <a:r>
-              <a:rPr lang="en" sz="1400" dirty="0"/>
-              <a:t>We chose this competition due to our shared interests in finances and housing market. </a:t>
-            </a:r>
-            <a:endParaRPr sz="1400" dirty="0"/>
-          </a:p>
-          <a:p>
-            <a:pPr marL="0" lvl="0" indent="0" algn="l" rtl="0">
-              <a:spcBef>
-                <a:spcPts val="1200"/>
-              </a:spcBef>
-              <a:spcAft>
-                <a:spcPts val="1200"/>
-              </a:spcAft>
-              <a:buNone/>
-            </a:pPr>
-            <a:endParaRPr sz="1400" dirty="0"/>
-          </a:p>
-        </p:txBody>
-      </p:sp>
-      <p:pic>
-        <p:nvPicPr>
-          <p:cNvPr id="3" name="Picture 2" descr="A picture containing shape&#10;&#10;Description automatically generated">
-            <a:extLst>
-              <a:ext uri="{FF2B5EF4-FFF2-40B4-BE49-F238E27FC236}">
-                <a16:creationId xmlns:a16="http://schemas.microsoft.com/office/drawing/2014/main" id="{B72FA91C-296E-7881-7A01-ACB7B730280C}"/>
-              </a:ext>
-            </a:extLst>
-          </p:cNvPr>
-          <p:cNvPicPr>
-            <a:picLocks noChangeAspect="1"/>
-          </p:cNvPicPr>
-          <p:nvPr/>
-        </p:nvPicPr>
-        <p:blipFill>
-          <a:blip r:embed="rId4"/>
-          <a:stretch>
-            <a:fillRect/>
-          </a:stretch>
-        </p:blipFill>
-        <p:spPr>
-          <a:xfrm>
-            <a:off x="0" y="3612088"/>
-            <a:ext cx="9144000" cy="1618488"/>
-          </a:xfrm>
-          <a:prstGeom prst="rect">
-            <a:avLst/>
-          </a:prstGeom>
-        </p:spPr>
-      </p:pic>
-    </p:spTree>
-  </p:cSld>
-  <p:clrMapOvr>
-    <a:masterClrMapping/>
-  </p:clrMapOvr>
-</p:sld>
-</file>
-
-<file path=ppt/slides/slide20.xml><?xml version="1.0" encoding="utf-8"?>
+<file path=ppt/slides/slide19.xml><?xml version="1.0" encoding="utf-8"?>
 <p:sld xmlns:a="http://schemas.openxmlformats.org/drawingml/2006/main" xmlns:r="http://schemas.openxmlformats.org/officeDocument/2006/relationships" xmlns:p="http://schemas.openxmlformats.org/presentationml/2006/main">
   <p:cSld>
     <p:spTree>
@@ -18314,6 +17920,228 @@
         <p14:creationId xmlns:p14="http://schemas.microsoft.com/office/powerpoint/2010/main" val="3319064095"/>
       </p:ext>
     </p:extLst>
+  </p:cSld>
+  <p:clrMapOvr>
+    <a:masterClrMapping/>
+  </p:clrMapOvr>
+</p:sld>
+</file>
+
+<file path=ppt/slides/slide2.xml><?xml version="1.0" encoding="utf-8"?>
+<p:sld xmlns:a="http://schemas.openxmlformats.org/drawingml/2006/main" xmlns:r="http://schemas.openxmlformats.org/officeDocument/2006/relationships" xmlns:p="http://schemas.openxmlformats.org/presentationml/2006/main">
+  <p:cSld>
+    <p:bg>
+      <p:bgPr>
+        <a:solidFill>
+          <a:schemeClr val="lt1"/>
+        </a:solidFill>
+        <a:effectLst/>
+      </p:bgPr>
+    </p:bg>
+    <p:spTree>
+      <p:nvGrpSpPr>
+        <p:cNvPr id="1" name="Shape 282"/>
+        <p:cNvGrpSpPr/>
+        <p:nvPr/>
+      </p:nvGrpSpPr>
+      <p:grpSpPr>
+        <a:xfrm>
+          <a:off x="0" y="0"/>
+          <a:ext cx="0" cy="0"/>
+          <a:chOff x="0" y="0"/>
+          <a:chExt cx="0" cy="0"/>
+        </a:xfrm>
+      </p:grpSpPr>
+      <p:sp>
+        <p:nvSpPr>
+          <p:cNvPr id="283" name="Google Shape;283;p14"/>
+          <p:cNvSpPr txBox="1">
+            <a:spLocks noGrp="1"/>
+          </p:cNvSpPr>
+          <p:nvPr>
+            <p:ph type="title"/>
+          </p:nvPr>
+        </p:nvSpPr>
+        <p:spPr>
+          <a:xfrm>
+            <a:off x="1303800" y="598575"/>
+            <a:ext cx="7030500" cy="999300"/>
+          </a:xfrm>
+          <a:prstGeom prst="rect">
+            <a:avLst/>
+          </a:prstGeom>
+        </p:spPr>
+        <p:txBody>
+          <a:bodyPr spcFirstLastPara="1" wrap="square" lIns="91425" tIns="91425" rIns="91425" bIns="91425" anchor="t" anchorCtr="0">
+            <a:normAutofit/>
+          </a:bodyPr>
+          <a:lstStyle/>
+          <a:p>
+            <a:pPr marL="0" lvl="0" indent="0" algn="l" rtl="0">
+              <a:spcBef>
+                <a:spcPts val="0"/>
+              </a:spcBef>
+              <a:spcAft>
+                <a:spcPts val="0"/>
+              </a:spcAft>
+              <a:buNone/>
+            </a:pPr>
+            <a:r>
+              <a:rPr lang="en" dirty="0"/>
+              <a:t>Introduction</a:t>
+            </a:r>
+            <a:endParaRPr dirty="0"/>
+          </a:p>
+        </p:txBody>
+      </p:sp>
+      <p:sp>
+        <p:nvSpPr>
+          <p:cNvPr id="284" name="Google Shape;284;p14"/>
+          <p:cNvSpPr txBox="1">
+            <a:spLocks noGrp="1"/>
+          </p:cNvSpPr>
+          <p:nvPr>
+            <p:ph type="body" idx="1"/>
+          </p:nvPr>
+        </p:nvSpPr>
+        <p:spPr>
+          <a:xfrm>
+            <a:off x="1303800" y="2022025"/>
+            <a:ext cx="7030500" cy="1523601"/>
+          </a:xfrm>
+          <a:prstGeom prst="rect">
+            <a:avLst/>
+          </a:prstGeom>
+        </p:spPr>
+        <p:txBody>
+          <a:bodyPr spcFirstLastPara="1" wrap="square" lIns="91425" tIns="91425" rIns="91425" bIns="91425" anchor="t" anchorCtr="0">
+            <a:normAutofit fontScale="92500" lnSpcReduction="20000"/>
+          </a:bodyPr>
+          <a:lstStyle/>
+          <a:p>
+            <a:pPr marL="457200" lvl="0" indent="-317500" algn="l" rtl="0">
+              <a:spcBef>
+                <a:spcPts val="0"/>
+              </a:spcBef>
+              <a:spcAft>
+                <a:spcPts val="0"/>
+              </a:spcAft>
+              <a:buSzPts val="1400"/>
+              <a:buChar char="●"/>
+            </a:pPr>
+            <a:r>
+              <a:rPr lang="en-US" sz="1400" b="0" i="0" dirty="0">
+                <a:solidFill>
+                  <a:srgbClr val="24292F"/>
+                </a:solidFill>
+                <a:effectLst/>
+                <a:latin typeface="Nunito" pitchFamily="2" charset="0"/>
+              </a:rPr>
+              <a:t>The purpose of this analysis is to predict the potential sale price, in US Dollars, of 1,459 homes located in Ames, Iowa based on 79 categorical and numerical variables that describe different aspects of each house. The dataset, along with the approach for this analysis, derive from a Kaggle competition titled "</a:t>
+            </a:r>
+            <a:r>
+              <a:rPr lang="en-US" sz="1400" b="0" i="0" u="none" strike="noStrike" dirty="0">
+                <a:solidFill>
+                  <a:srgbClr val="24292F"/>
+                </a:solidFill>
+                <a:effectLst/>
+                <a:latin typeface="Nunito" pitchFamily="2" charset="0"/>
+                <a:hlinkClick r:id="rId3"/>
+              </a:rPr>
+              <a:t>House Prices - Advanced Regression Techniques</a:t>
+            </a:r>
+            <a:r>
+              <a:rPr lang="en-US" sz="1400" b="0" i="0" dirty="0">
+                <a:solidFill>
+                  <a:srgbClr val="24292F"/>
+                </a:solidFill>
+                <a:effectLst/>
+                <a:latin typeface="Nunito" pitchFamily="2" charset="0"/>
+              </a:rPr>
+              <a:t>". </a:t>
+            </a:r>
+          </a:p>
+          <a:p>
+            <a:pPr marL="139700" lvl="0" indent="0" algn="l" rtl="0">
+              <a:spcBef>
+                <a:spcPts val="0"/>
+              </a:spcBef>
+              <a:spcAft>
+                <a:spcPts val="0"/>
+              </a:spcAft>
+              <a:buSzPts val="1400"/>
+              <a:buNone/>
+            </a:pPr>
+            <a:endParaRPr lang="en-US" sz="1400" b="0" i="0" dirty="0">
+              <a:solidFill>
+                <a:srgbClr val="24292F"/>
+              </a:solidFill>
+              <a:effectLst/>
+              <a:latin typeface="-apple-system"/>
+            </a:endParaRPr>
+          </a:p>
+          <a:p>
+            <a:pPr marL="457200" lvl="0" indent="-317500" algn="l" rtl="0">
+              <a:spcBef>
+                <a:spcPts val="0"/>
+              </a:spcBef>
+              <a:spcAft>
+                <a:spcPts val="0"/>
+              </a:spcAft>
+              <a:buSzPts val="1400"/>
+              <a:buChar char="●"/>
+            </a:pPr>
+            <a:r>
+              <a:rPr lang="en" sz="1400" dirty="0"/>
+              <a:t>We chose this competition due to our shared interests in finances and housing market. </a:t>
+            </a:r>
+            <a:endParaRPr sz="1400" dirty="0"/>
+          </a:p>
+          <a:p>
+            <a:pPr marL="0" lvl="0" indent="0" algn="l" rtl="0">
+              <a:spcBef>
+                <a:spcPts val="1200"/>
+              </a:spcBef>
+              <a:spcAft>
+                <a:spcPts val="1200"/>
+              </a:spcAft>
+              <a:buNone/>
+            </a:pPr>
+            <a:endParaRPr sz="1400" dirty="0"/>
+          </a:p>
+        </p:txBody>
+      </p:sp>
+      <p:pic>
+        <p:nvPicPr>
+          <p:cNvPr id="3" name="Picture 2" descr="A picture containing shape&#10;&#10;Description automatically generated">
+            <a:extLst>
+              <a:ext uri="{FF2B5EF4-FFF2-40B4-BE49-F238E27FC236}">
+                <a16:creationId xmlns:a16="http://schemas.microsoft.com/office/drawing/2014/main" id="{B72FA91C-296E-7881-7A01-ACB7B730280C}"/>
+              </a:ext>
+            </a:extLst>
+          </p:cNvPr>
+          <p:cNvPicPr>
+            <a:picLocks noChangeAspect="1"/>
+          </p:cNvPicPr>
+          <p:nvPr/>
+        </p:nvPicPr>
+        <p:blipFill>
+          <a:blip r:embed="rId4"/>
+          <a:stretch>
+            <a:fillRect/>
+          </a:stretch>
+        </p:blipFill>
+        <p:spPr>
+          <a:xfrm>
+            <a:off x="0" y="3612088"/>
+            <a:ext cx="9144000" cy="1618488"/>
+          </a:xfrm>
+          <a:prstGeom prst="rect">
+            <a:avLst/>
+          </a:prstGeom>
+        </p:spPr>
+      </p:pic>
+    </p:spTree>
   </p:cSld>
   <p:clrMapOvr>
     <a:masterClrMapping/>
@@ -18538,8 +18366,8 @@
         </p:nvSpPr>
         <p:spPr>
           <a:xfrm>
-            <a:off x="1213746" y="1597875"/>
-            <a:ext cx="7030500" cy="2759379"/>
+            <a:off x="1213746" y="1597876"/>
+            <a:ext cx="7030500" cy="2066652"/>
           </a:xfrm>
           <a:prstGeom prst="rect">
             <a:avLst/>
@@ -18597,7 +18425,27 @@
                 <a:effectLst/>
                 <a:latin typeface="-apple-system"/>
               </a:rPr>
-              <a:t>Based on the provided data, the team will perform an Exploratory Data Analysis and select the relevant variables in order to determine which machine learning model would result more accurate to predict the potential sale price of each home.</a:t>
+              <a:t>Based on the provided data, the team will perform an Exploratory Data Analysis and select the relevant variables in order to determine which machine learning model would result more accurate to predict the potential sale price of each home most </a:t>
+            </a:r>
+            <a:r>
+              <a:rPr lang="en-US" sz="5600" b="0" i="0" dirty="0" err="1">
+                <a:solidFill>
+                  <a:srgbClr val="24292F"/>
+                </a:solidFill>
+                <a:effectLst/>
+                <a:latin typeface="-apple-system"/>
+              </a:rPr>
+              <a:t>accuratly</a:t>
+            </a:r>
+            <a:r>
+              <a:rPr lang="en-US" sz="5600" b="0" i="0" dirty="0">
+                <a:solidFill>
+                  <a:srgbClr val="24292F"/>
+                </a:solidFill>
+                <a:effectLst/>
+                <a:latin typeface="-apple-system"/>
+              </a:rPr>
+              <a:t>.</a:t>
             </a:r>
           </a:p>
           <a:p>
@@ -18971,6 +18819,149 @@
   <p:cSld>
     <p:spTree>
       <p:nvGrpSpPr>
+        <p:cNvPr id="1" name="Shape 335"/>
+        <p:cNvGrpSpPr/>
+        <p:nvPr/>
+      </p:nvGrpSpPr>
+      <p:grpSpPr>
+        <a:xfrm>
+          <a:off x="0" y="0"/>
+          <a:ext cx="0" cy="0"/>
+          <a:chOff x="0" y="0"/>
+          <a:chExt cx="0" cy="0"/>
+        </a:xfrm>
+      </p:grpSpPr>
+      <p:sp>
+        <p:nvSpPr>
+          <p:cNvPr id="336" name="Google Shape;336;p23"/>
+          <p:cNvSpPr txBox="1">
+            <a:spLocks noGrp="1"/>
+          </p:cNvSpPr>
+          <p:nvPr>
+            <p:ph type="title"/>
+          </p:nvPr>
+        </p:nvSpPr>
+        <p:spPr>
+          <a:xfrm>
+            <a:off x="1303800" y="598575"/>
+            <a:ext cx="7030500" cy="999300"/>
+          </a:xfrm>
+          <a:prstGeom prst="rect">
+            <a:avLst/>
+          </a:prstGeom>
+        </p:spPr>
+        <p:txBody>
+          <a:bodyPr spcFirstLastPara="1" wrap="square" lIns="91425" tIns="91425" rIns="91425" bIns="91425" anchor="t" anchorCtr="0">
+            <a:normAutofit/>
+          </a:bodyPr>
+          <a:lstStyle/>
+          <a:p>
+            <a:pPr marL="0" lvl="0" indent="0" algn="l" rtl="0">
+              <a:spcBef>
+                <a:spcPts val="0"/>
+              </a:spcBef>
+              <a:spcAft>
+                <a:spcPts val="0"/>
+              </a:spcAft>
+              <a:buNone/>
+            </a:pPr>
+            <a:r>
+              <a:rPr lang="en"/>
+              <a:t>Data Cleaning</a:t>
+            </a:r>
+            <a:endParaRPr/>
+          </a:p>
+        </p:txBody>
+      </p:sp>
+      <p:sp>
+        <p:nvSpPr>
+          <p:cNvPr id="337" name="Google Shape;337;p23"/>
+          <p:cNvSpPr txBox="1">
+            <a:spLocks noGrp="1"/>
+          </p:cNvSpPr>
+          <p:nvPr>
+            <p:ph type="body" idx="1"/>
+          </p:nvPr>
+        </p:nvSpPr>
+        <p:spPr>
+          <a:xfrm>
+            <a:off x="1303800" y="1990050"/>
+            <a:ext cx="7030500" cy="2541600"/>
+          </a:xfrm>
+          <a:prstGeom prst="rect">
+            <a:avLst/>
+          </a:prstGeom>
+        </p:spPr>
+        <p:txBody>
+          <a:bodyPr spcFirstLastPara="1" wrap="square" lIns="91425" tIns="91425" rIns="91425" bIns="91425" anchor="t" anchorCtr="0">
+            <a:normAutofit/>
+          </a:bodyPr>
+          <a:lstStyle/>
+          <a:p>
+            <a:pPr marL="0" lvl="0" indent="0" algn="l" rtl="0">
+              <a:spcBef>
+                <a:spcPts val="0"/>
+              </a:spcBef>
+              <a:spcAft>
+                <a:spcPts val="0"/>
+              </a:spcAft>
+              <a:buNone/>
+            </a:pPr>
+            <a:r>
+              <a:rPr lang="en" sz="1400"/>
+              <a:t>This is a vital aspect of our project as this determined the success of our model. The process consisted of:</a:t>
+            </a:r>
+            <a:endParaRPr sz="1400"/>
+          </a:p>
+          <a:p>
+            <a:pPr marL="457200" lvl="0" indent="-317500" algn="l" rtl="0">
+              <a:spcBef>
+                <a:spcPts val="1200"/>
+              </a:spcBef>
+              <a:spcAft>
+                <a:spcPts val="0"/>
+              </a:spcAft>
+              <a:buSzPts val="1400"/>
+              <a:buAutoNum type="arabicPeriod"/>
+            </a:pPr>
+            <a:r>
+              <a:rPr lang="en" sz="1400"/>
+              <a:t>Substituting our null values with the median value of the numerical data using the imputer function. </a:t>
+            </a:r>
+            <a:endParaRPr sz="1400"/>
+          </a:p>
+          <a:p>
+            <a:pPr marL="457200" lvl="0" indent="-317500" algn="l" rtl="0">
+              <a:spcBef>
+                <a:spcPts val="0"/>
+              </a:spcBef>
+              <a:spcAft>
+                <a:spcPts val="0"/>
+              </a:spcAft>
+              <a:buSzPts val="1400"/>
+              <a:buAutoNum type="arabicPeriod"/>
+            </a:pPr>
+            <a:r>
+              <a:rPr lang="en" sz="1400"/>
+              <a:t>Transforming our categorical data to numerical data using the Hot Encoder Function.</a:t>
+            </a:r>
+            <a:endParaRPr sz="1400"/>
+          </a:p>
+        </p:txBody>
+      </p:sp>
+    </p:spTree>
+  </p:cSld>
+  <p:clrMapOvr>
+    <a:masterClrMapping/>
+  </p:clrMapOvr>
+</p:sld>
+</file>
+
+<file path=ppt/slides/slide8.xml><?xml version="1.0" encoding="utf-8"?>
+<p:sld xmlns:a="http://schemas.openxmlformats.org/drawingml/2006/main" xmlns:r="http://schemas.openxmlformats.org/officeDocument/2006/relationships" xmlns:p="http://schemas.openxmlformats.org/presentationml/2006/main">
+  <p:cSld>
+    <p:spTree>
+      <p:nvGrpSpPr>
         <p:cNvPr id="1" name=""/>
         <p:cNvGrpSpPr/>
         <p:nvPr/>
@@ -19049,9 +19040,67 @@
         </p:spPr>
         <p:txBody>
           <a:bodyPr anchor="ctr">
-            <a:normAutofit/>
+            <a:normAutofit fontScale="62500" lnSpcReduction="20000"/>
           </a:bodyPr>
           <a:lstStyle/>
+          <a:p>
+            <a:pPr algn="just"/>
+            <a:r>
+              <a:rPr lang="en-US" sz="1800" dirty="0">
+                <a:solidFill>
+                  <a:srgbClr val="24292F"/>
+                </a:solidFill>
+                <a:latin typeface="-apple-system"/>
+              </a:rPr>
+              <a:t>Both train and test datasets contain 79 variables plus the Sale Price variable that is provided in the training dataset and will be calculated for the test dataset. Of the 79 independent variables, 43 are numerical and 36 are categorical.</a:t>
+            </a:r>
+          </a:p>
+          <a:p>
+            <a:pPr algn="just"/>
+            <a:endParaRPr lang="en-US" sz="1800" dirty="0">
+              <a:solidFill>
+                <a:srgbClr val="24292F"/>
+              </a:solidFill>
+              <a:latin typeface="-apple-system"/>
+            </a:endParaRPr>
+          </a:p>
+          <a:p>
+            <a:pPr marL="146050" indent="0" algn="just">
+              <a:buNone/>
+            </a:pPr>
+            <a:r>
+              <a:rPr lang="en-US" sz="1800" dirty="0">
+                <a:solidFill>
+                  <a:srgbClr val="24292F"/>
+                </a:solidFill>
+                <a:latin typeface="-apple-system"/>
+              </a:rPr>
+              <a:t>		Target variable: Sale Price</a:t>
+            </a:r>
+          </a:p>
+          <a:p>
+            <a:pPr algn="just"/>
+            <a:r>
+              <a:rPr lang="en-US" sz="1800" dirty="0">
+                <a:solidFill>
+                  <a:srgbClr val="24292F"/>
+                </a:solidFill>
+                <a:latin typeface="-apple-system"/>
+              </a:rPr>
+              <a:t>To better understand the variable that we aim to predict, a brief analysis was performed in the SalePrice variable provided in the train dataset.</a:t>
+            </a:r>
+          </a:p>
+          <a:p>
+            <a:pPr marL="146050" indent="0" algn="just">
+              <a:buNone/>
+            </a:pPr>
+            <a:endParaRPr lang="en-US" sz="1800" dirty="0">
+              <a:solidFill>
+                <a:srgbClr val="24292F"/>
+              </a:solidFill>
+              <a:latin typeface="-apple-system"/>
+            </a:endParaRPr>
+          </a:p>
           <a:p>
             <a:pPr algn="just"/>
             <a:r>
@@ -19125,149 +19174,6 @@
         <p14:creationId xmlns:p14="http://schemas.microsoft.com/office/powerpoint/2010/main" val="374756558"/>
       </p:ext>
     </p:extLst>
-  </p:cSld>
-  <p:clrMapOvr>
-    <a:masterClrMapping/>
-  </p:clrMapOvr>
-</p:sld>
-</file>
-
-<file path=ppt/slides/slide8.xml><?xml version="1.0" encoding="utf-8"?>
-<p:sld xmlns:a="http://schemas.openxmlformats.org/drawingml/2006/main" xmlns:r="http://schemas.openxmlformats.org/officeDocument/2006/relationships" xmlns:p="http://schemas.openxmlformats.org/presentationml/2006/main">
-  <p:cSld>
-    <p:spTree>
-      <p:nvGrpSpPr>
-        <p:cNvPr id="1" name="Shape 335"/>
-        <p:cNvGrpSpPr/>
-        <p:nvPr/>
-      </p:nvGrpSpPr>
-      <p:grpSpPr>
-        <a:xfrm>
-          <a:off x="0" y="0"/>
-          <a:ext cx="0" cy="0"/>
-          <a:chOff x="0" y="0"/>
-          <a:chExt cx="0" cy="0"/>
-        </a:xfrm>
-      </p:grpSpPr>
-      <p:sp>
-        <p:nvSpPr>
-          <p:cNvPr id="336" name="Google Shape;336;p23"/>
-          <p:cNvSpPr txBox="1">
-            <a:spLocks noGrp="1"/>
-          </p:cNvSpPr>
-          <p:nvPr>
-            <p:ph type="title"/>
-          </p:nvPr>
-        </p:nvSpPr>
-        <p:spPr>
-          <a:xfrm>
-            <a:off x="1303800" y="598575"/>
-            <a:ext cx="7030500" cy="999300"/>
-          </a:xfrm>
-          <a:prstGeom prst="rect">
-            <a:avLst/>
-          </a:prstGeom>
-        </p:spPr>
-        <p:txBody>
-          <a:bodyPr spcFirstLastPara="1" wrap="square" lIns="91425" tIns="91425" rIns="91425" bIns="91425" anchor="t" anchorCtr="0">
-            <a:normAutofit/>
-          </a:bodyPr>
-          <a:lstStyle/>
-          <a:p>
-            <a:pPr marL="0" lvl="0" indent="0" algn="l" rtl="0">
-              <a:spcBef>
-                <a:spcPts val="0"/>
-              </a:spcBef>
-              <a:spcAft>
-                <a:spcPts val="0"/>
-              </a:spcAft>
-              <a:buNone/>
-            </a:pPr>
-            <a:r>
-              <a:rPr lang="en"/>
-              <a:t>Data Cleaning</a:t>
-            </a:r>
-            <a:endParaRPr/>
-          </a:p>
-        </p:txBody>
-      </p:sp>
-      <p:sp>
-        <p:nvSpPr>
-          <p:cNvPr id="337" name="Google Shape;337;p23"/>
-          <p:cNvSpPr txBox="1">
-            <a:spLocks noGrp="1"/>
-          </p:cNvSpPr>
-          <p:nvPr>
-            <p:ph type="body" idx="1"/>
-          </p:nvPr>
-        </p:nvSpPr>
-        <p:spPr>
-          <a:xfrm>
-            <a:off x="1303800" y="1990050"/>
-            <a:ext cx="7030500" cy="2541600"/>
-          </a:xfrm>
-          <a:prstGeom prst="rect">
-            <a:avLst/>
-          </a:prstGeom>
-        </p:spPr>
-        <p:txBody>
-          <a:bodyPr spcFirstLastPara="1" wrap="square" lIns="91425" tIns="91425" rIns="91425" bIns="91425" anchor="t" anchorCtr="0">
-            <a:normAutofit/>
-          </a:bodyPr>
-          <a:lstStyle/>
-          <a:p>
-            <a:pPr marL="0" lvl="0" indent="0" algn="l" rtl="0">
-              <a:spcBef>
-                <a:spcPts val="0"/>
-              </a:spcBef>
-              <a:spcAft>
-                <a:spcPts val="0"/>
-              </a:spcAft>
-              <a:buNone/>
-            </a:pPr>
-            <a:r>
-              <a:rPr lang="en" sz="1400"/>
-              <a:t>This is a vital aspect of our project as this determined the success of our model. The process consisted of:</a:t>
-            </a:r>
-            <a:endParaRPr sz="1400"/>
-          </a:p>
-          <a:p>
-            <a:pPr marL="457200" lvl="0" indent="-317500" algn="l" rtl="0">
-              <a:spcBef>
-                <a:spcPts val="1200"/>
-              </a:spcBef>
-              <a:spcAft>
-                <a:spcPts val="0"/>
-              </a:spcAft>
-              <a:buSzPts val="1400"/>
-              <a:buAutoNum type="arabicPeriod"/>
-            </a:pPr>
-            <a:r>
-              <a:rPr lang="en" sz="1400"/>
-              <a:t>Substituting our null values with the median value of the numerical data using the imputer function. </a:t>
-            </a:r>
-            <a:endParaRPr sz="1400"/>
-          </a:p>
-          <a:p>
-            <a:pPr marL="457200" lvl="0" indent="-317500" algn="l" rtl="0">
-              <a:spcBef>
-                <a:spcPts val="0"/>
-              </a:spcBef>
-              <a:spcAft>
-                <a:spcPts val="0"/>
-              </a:spcAft>
-              <a:buSzPts val="1400"/>
-              <a:buAutoNum type="arabicPeriod"/>
-            </a:pPr>
-            <a:r>
-              <a:rPr lang="en" sz="1400"/>
-              <a:t>Transforming our categorical data to numerical data using the Hot Encoder Function.</a:t>
-            </a:r>
-            <a:endParaRPr sz="1400"/>
-          </a:p>
-        </p:txBody>
-      </p:sp>
-    </p:spTree>
   </p:cSld>
   <p:clrMapOvr>
     <a:masterClrMapping/>
